--- a/マリオの再現.pptx
+++ b/マリオの再現.pptx
@@ -249,7 +249,7 @@
           <a:p>
             <a:fld id="{149397EE-2F03-4821-BE75-D889924FEC4B}" type="datetimeFigureOut">
               <a:rPr kumimoji="1" lang="ja-JP" altLang="en-US" smtClean="0"/>
-              <a:t>2017/2/7</a:t>
+              <a:t>2017/2/8</a:t>
             </a:fld>
             <a:endParaRPr kumimoji="1" lang="ja-JP" altLang="en-US"/>
           </a:p>
@@ -451,7 +451,7 @@
           <a:p>
             <a:fld id="{149397EE-2F03-4821-BE75-D889924FEC4B}" type="datetimeFigureOut">
               <a:rPr kumimoji="1" lang="ja-JP" altLang="en-US" smtClean="0"/>
-              <a:t>2017/2/7</a:t>
+              <a:t>2017/2/8</a:t>
             </a:fld>
             <a:endParaRPr kumimoji="1" lang="ja-JP" altLang="en-US"/>
           </a:p>
@@ -663,7 +663,7 @@
           <a:p>
             <a:fld id="{149397EE-2F03-4821-BE75-D889924FEC4B}" type="datetimeFigureOut">
               <a:rPr kumimoji="1" lang="ja-JP" altLang="en-US" smtClean="0"/>
-              <a:t>2017/2/7</a:t>
+              <a:t>2017/2/8</a:t>
             </a:fld>
             <a:endParaRPr kumimoji="1" lang="ja-JP" altLang="en-US"/>
           </a:p>
@@ -865,7 +865,7 @@
           <a:p>
             <a:fld id="{149397EE-2F03-4821-BE75-D889924FEC4B}" type="datetimeFigureOut">
               <a:rPr kumimoji="1" lang="ja-JP" altLang="en-US" smtClean="0"/>
-              <a:t>2017/2/7</a:t>
+              <a:t>2017/2/8</a:t>
             </a:fld>
             <a:endParaRPr kumimoji="1" lang="ja-JP" altLang="en-US"/>
           </a:p>
@@ -1111,7 +1111,7 @@
           <a:p>
             <a:fld id="{149397EE-2F03-4821-BE75-D889924FEC4B}" type="datetimeFigureOut">
               <a:rPr kumimoji="1" lang="ja-JP" altLang="en-US" smtClean="0"/>
-              <a:t>2017/2/7</a:t>
+              <a:t>2017/2/8</a:t>
             </a:fld>
             <a:endParaRPr kumimoji="1" lang="ja-JP" altLang="en-US"/>
           </a:p>
@@ -1407,7 +1407,7 @@
           <a:p>
             <a:fld id="{149397EE-2F03-4821-BE75-D889924FEC4B}" type="datetimeFigureOut">
               <a:rPr kumimoji="1" lang="ja-JP" altLang="en-US" smtClean="0"/>
-              <a:t>2017/2/7</a:t>
+              <a:t>2017/2/8</a:t>
             </a:fld>
             <a:endParaRPr kumimoji="1" lang="ja-JP" altLang="en-US"/>
           </a:p>
@@ -1838,7 +1838,7 @@
           <a:p>
             <a:fld id="{149397EE-2F03-4821-BE75-D889924FEC4B}" type="datetimeFigureOut">
               <a:rPr kumimoji="1" lang="ja-JP" altLang="en-US" smtClean="0"/>
-              <a:t>2017/2/7</a:t>
+              <a:t>2017/2/8</a:t>
             </a:fld>
             <a:endParaRPr kumimoji="1" lang="ja-JP" altLang="en-US"/>
           </a:p>
@@ -1956,7 +1956,7 @@
           <a:p>
             <a:fld id="{149397EE-2F03-4821-BE75-D889924FEC4B}" type="datetimeFigureOut">
               <a:rPr kumimoji="1" lang="ja-JP" altLang="en-US" smtClean="0"/>
-              <a:t>2017/2/7</a:t>
+              <a:t>2017/2/8</a:t>
             </a:fld>
             <a:endParaRPr kumimoji="1" lang="ja-JP" altLang="en-US"/>
           </a:p>
@@ -2051,7 +2051,7 @@
           <a:p>
             <a:fld id="{149397EE-2F03-4821-BE75-D889924FEC4B}" type="datetimeFigureOut">
               <a:rPr kumimoji="1" lang="ja-JP" altLang="en-US" smtClean="0"/>
-              <a:t>2017/2/7</a:t>
+              <a:t>2017/2/8</a:t>
             </a:fld>
             <a:endParaRPr kumimoji="1" lang="ja-JP" altLang="en-US"/>
           </a:p>
@@ -2360,7 +2360,7 @@
           <a:p>
             <a:fld id="{149397EE-2F03-4821-BE75-D889924FEC4B}" type="datetimeFigureOut">
               <a:rPr kumimoji="1" lang="ja-JP" altLang="en-US" smtClean="0"/>
-              <a:t>2017/2/7</a:t>
+              <a:t>2017/2/8</a:t>
             </a:fld>
             <a:endParaRPr kumimoji="1" lang="ja-JP" altLang="en-US"/>
           </a:p>
@@ -2613,7 +2613,7 @@
           <a:p>
             <a:fld id="{149397EE-2F03-4821-BE75-D889924FEC4B}" type="datetimeFigureOut">
               <a:rPr kumimoji="1" lang="ja-JP" altLang="en-US" smtClean="0"/>
-              <a:t>2017/2/7</a:t>
+              <a:t>2017/2/8</a:t>
             </a:fld>
             <a:endParaRPr kumimoji="1" lang="ja-JP" altLang="en-US"/>
           </a:p>
@@ -2858,7 +2858,7 @@
           <a:p>
             <a:fld id="{149397EE-2F03-4821-BE75-D889924FEC4B}" type="datetimeFigureOut">
               <a:rPr kumimoji="1" lang="ja-JP" altLang="en-US" smtClean="0"/>
-              <a:t>2017/2/7</a:t>
+              <a:t>2017/2/8</a:t>
             </a:fld>
             <a:endParaRPr kumimoji="1" lang="ja-JP" altLang="en-US"/>
           </a:p>
@@ -3295,11 +3295,7 @@
             </a:r>
             <a:r>
               <a:rPr kumimoji="1" lang="ja-JP" altLang="en-US" sz="6600" dirty="0" smtClean="0"/>
-              <a:t>マリオの</a:t>
-            </a:r>
-            <a:r>
-              <a:rPr kumimoji="1" lang="ja-JP" altLang="en-US" sz="6600" dirty="0" smtClean="0"/>
-              <a:t>一部再現</a:t>
+              <a:t>マリオの一部再現</a:t>
             </a:r>
             <a:endParaRPr kumimoji="1" lang="ja-JP" altLang="en-US" sz="6600" dirty="0"/>
           </a:p>
@@ -3595,17 +3591,25 @@
           <a:p>
             <a:r>
               <a:rPr lang="en-US" altLang="ja-JP" sz="4000" dirty="0" smtClean="0"/>
-              <a:t>2017/02/08    13:00~ 17:00</a:t>
+              <a:t>2017/02/08    </a:t>
+            </a:r>
+            <a:r>
+              <a:rPr lang="en-US" altLang="ja-JP" sz="4000" dirty="0" smtClean="0"/>
+              <a:t>13:00~ 17:00</a:t>
             </a:r>
           </a:p>
           <a:p>
             <a:r>
               <a:rPr lang="ja-JP" altLang="en-US" sz="2800" dirty="0" smtClean="0"/>
-              <a:t> 　　  </a:t>
+              <a:t> 　</a:t>
+            </a:r>
+            <a:r>
+              <a:rPr lang="ja-JP" altLang="en-US" sz="4000" dirty="0"/>
+              <a:t>　</a:t>
             </a:r>
             <a:r>
               <a:rPr lang="ja-JP" altLang="en-US" sz="4000" dirty="0" smtClean="0"/>
-              <a:t>マップ</a:t>
+              <a:t>細貝の部分の内容決め</a:t>
             </a:r>
             <a:endParaRPr lang="en-US" altLang="ja-JP" sz="4000" dirty="0" smtClean="0"/>
           </a:p>
@@ -3635,7 +3639,11 @@
           <a:p>
             <a:r>
               <a:rPr lang="en-US" altLang="ja-JP" sz="4000" dirty="0" smtClean="0"/>
-              <a:t>2017/02/09    13:00~ 17:00</a:t>
+              <a:t>2017/02/13    </a:t>
+            </a:r>
+            <a:r>
+              <a:rPr lang="en-US" altLang="ja-JP" sz="4000" dirty="0" smtClean="0"/>
+              <a:t>13:00~ 17:00</a:t>
             </a:r>
             <a:endParaRPr lang="ja-JP" altLang="en-US" sz="4000" dirty="0" smtClean="0"/>
           </a:p>
@@ -3672,7 +3680,11 @@
           <a:p>
             <a:r>
               <a:rPr lang="en-US" altLang="ja-JP" sz="4000" dirty="0" smtClean="0"/>
-              <a:t>2017/02/13     13:00~ 17:00</a:t>
+              <a:t>2017/02/14     </a:t>
+            </a:r>
+            <a:r>
+              <a:rPr lang="en-US" altLang="ja-JP" sz="4000" dirty="0" smtClean="0"/>
+              <a:t>13:00~ 17:00</a:t>
             </a:r>
           </a:p>
           <a:p>
